--- a/Assignment_2/Er_Diagram_Assignment2.pptx
+++ b/Assignment_2/Er_Diagram_Assignment2.pptx
@@ -105,6 +105,11 @@
       </a:defRPr>
     </a:lvl9pPr>
   </p:defaultTextStyle>
+  <p:extLst>
+    <p:ext uri="{EFAFB233-063F-42B5-8137-9DF3F51BA10A}">
+      <p15:sldGuideLst xmlns:p15="http://schemas.microsoft.com/office/powerpoint/2012/main"/>
+    </p:ext>
+  </p:extLst>
 </p:presentation>
 </file>
 
@@ -5674,7 +5679,7 @@
         <p:spPr>
           <a:xfrm>
             <a:off x="510363" y="208461"/>
-            <a:ext cx="5497033" cy="8063746"/>
+            <a:ext cx="5497033" cy="8440772"/>
           </a:xfrm>
           <a:prstGeom prst="rect">
             <a:avLst/>
@@ -5721,7 +5726,7 @@
                   <a:srgbClr val="FF0000"/>
                 </a:highlight>
               </a:rPr>
-              <a:t> number(20) – primary key</a:t>
+              <a:t> SERIAL – primary key</a:t>
             </a:r>
           </a:p>
           <a:p>
@@ -5731,7 +5736,7 @@
             </a:pPr>
             <a:r>
               <a:rPr lang="en-US" sz="1400" dirty="0"/>
-              <a:t>name varchar2(80) </a:t>
+              <a:t>name varchar(80) </a:t>
             </a:r>
           </a:p>
           <a:p>
@@ -5740,8 +5745,12 @@
               <a:buChar char="•"/>
             </a:pPr>
             <a:r>
+              <a:rPr lang="en-US" sz="1400" dirty="0" err="1"/>
+              <a:t>phone_number</a:t>
+            </a:r>
+            <a:r>
               <a:rPr lang="en-US" sz="1400" dirty="0"/>
-              <a:t>phone_number varchar2(30)</a:t>
+              <a:t> varchar(30)</a:t>
             </a:r>
           </a:p>
           <a:p>
@@ -5773,7 +5782,7 @@
                   <a:srgbClr val="FF0000"/>
                 </a:highlight>
               </a:rPr>
-              <a:t> number(20) – primary key</a:t>
+              <a:t> SERIAL– primary key</a:t>
             </a:r>
           </a:p>
           <a:p>
@@ -5783,7 +5792,7 @@
             </a:pPr>
             <a:r>
               <a:rPr lang="en-US" sz="1400" dirty="0"/>
-              <a:t>name varchar2(80) </a:t>
+              <a:t>name varchar(80) </a:t>
             </a:r>
           </a:p>
           <a:p>
@@ -5792,8 +5801,12 @@
               <a:buChar char="•"/>
             </a:pPr>
             <a:r>
+              <a:rPr lang="en-US" sz="1400" dirty="0" err="1"/>
+              <a:t>phone_number</a:t>
+            </a:r>
+            <a:r>
               <a:rPr lang="en-US" sz="1400" dirty="0"/>
-              <a:t>phone_number varchar2(30)</a:t>
+              <a:t> varchar(30)</a:t>
             </a:r>
           </a:p>
           <a:p>
@@ -5825,7 +5838,7 @@
                   <a:srgbClr val="FF0000"/>
                 </a:highlight>
               </a:rPr>
-              <a:t> number(20) – primary key</a:t>
+              <a:t> SERIAL– primary key</a:t>
             </a:r>
           </a:p>
           <a:p>
@@ -5835,7 +5848,7 @@
             </a:pPr>
             <a:r>
               <a:rPr lang="en-US" sz="1400" dirty="0"/>
-              <a:t>status varchar2(10)</a:t>
+              <a:t>status varchar(10)</a:t>
             </a:r>
           </a:p>
           <a:p>
@@ -5843,13 +5856,35 @@
               <a:buFont typeface="Arial" panose="020B0604020202020204" pitchFamily="34" charset="0"/>
               <a:buChar char="•"/>
             </a:pPr>
+            <a:r>
+              <a:rPr lang="en-US" sz="1400" dirty="0" err="1"/>
+              <a:t>trans_timestamp</a:t>
+            </a:r>
+            <a:r>
+              <a:rPr lang="en-US" sz="1400" dirty="0"/>
+              <a:t> TIMESTAMP</a:t>
+            </a:r>
+          </a:p>
+          <a:p>
+            <a:pPr marL="800100" lvl="1" indent="-342900">
+              <a:buFont typeface="Arial" panose="020B0604020202020204" pitchFamily="34" charset="0"/>
+              <a:buChar char="•"/>
+            </a:pPr>
+            <a:r>
+              <a:rPr lang="en-US" sz="1400" dirty="0" err="1">
+                <a:highlight>
+                  <a:srgbClr val="00FFFF"/>
+                </a:highlight>
+              </a:rPr>
+              <a:t>salesman_id</a:t>
+            </a:r>
             <a:r>
               <a:rPr lang="en-US" sz="1400" dirty="0">
                 <a:highlight>
                   <a:srgbClr val="00FFFF"/>
                 </a:highlight>
               </a:rPr>
-              <a:t>salesman_id number(20) – foreign key</a:t>
+              <a:t> number(20) – foreign key</a:t>
             </a:r>
           </a:p>
           <a:p>
@@ -5857,13 +5892,21 @@
               <a:buFont typeface="Arial" panose="020B0604020202020204" pitchFamily="34" charset="0"/>
               <a:buChar char="•"/>
             </a:pPr>
+            <a:r>
+              <a:rPr lang="en-US" sz="1400" dirty="0" err="1">
+                <a:highlight>
+                  <a:srgbClr val="00FFFF"/>
+                </a:highlight>
+              </a:rPr>
+              <a:t>cust_id</a:t>
+            </a:r>
             <a:r>
               <a:rPr lang="en-US" sz="1400" dirty="0">
                 <a:highlight>
                   <a:srgbClr val="00FFFF"/>
                 </a:highlight>
               </a:rPr>
-              <a:t>cust_id number(20) – foreign key</a:t>
+              <a:t> number(20) – foreign key</a:t>
             </a:r>
           </a:p>
           <a:p>
@@ -5917,7 +5960,7 @@
                   <a:srgbClr val="FF0000"/>
                 </a:highlight>
               </a:rPr>
-              <a:t> number(20) – primary key</a:t>
+              <a:t> SERIAL– primary key</a:t>
             </a:r>
           </a:p>
           <a:p>
@@ -5927,7 +5970,7 @@
             </a:pPr>
             <a:r>
               <a:rPr lang="en-US" sz="1400" dirty="0"/>
-              <a:t>manufacturer varchar2(20)</a:t>
+              <a:t>manufacturer varchar(20)</a:t>
             </a:r>
           </a:p>
           <a:p>
@@ -5936,8 +5979,12 @@
               <a:buChar char="•"/>
             </a:pPr>
             <a:r>
+              <a:rPr lang="en-US" sz="1400" dirty="0" err="1"/>
+              <a:t>model_name</a:t>
+            </a:r>
+            <a:r>
               <a:rPr lang="en-US" sz="1400" dirty="0"/>
-              <a:t>model_name varchar2(20)</a:t>
+              <a:t> varchar(20)</a:t>
             </a:r>
           </a:p>
           <a:p>
@@ -5946,8 +5993,12 @@
               <a:buChar char="•"/>
             </a:pPr>
             <a:r>
+              <a:rPr lang="en-US" sz="1400" dirty="0" err="1"/>
+              <a:t>model_variant</a:t>
+            </a:r>
+            <a:r>
               <a:rPr lang="en-US" sz="1400" dirty="0"/>
-              <a:t>model_variant varchar2(20)</a:t>
+              <a:t> varchar(20)</a:t>
             </a:r>
           </a:p>
           <a:p>
@@ -5956,8 +6007,12 @@
               <a:buChar char="•"/>
             </a:pPr>
             <a:r>
+              <a:rPr lang="en-US" sz="1400" dirty="0" err="1"/>
+              <a:t>serial_number</a:t>
+            </a:r>
+            <a:r>
               <a:rPr lang="en-US" sz="1400" dirty="0"/>
-              <a:t>serial_number varchar2(20)</a:t>
+              <a:t> varchar(20)</a:t>
             </a:r>
           </a:p>
           <a:p>
@@ -5967,7 +6022,7 @@
             </a:pPr>
             <a:r>
               <a:rPr lang="en-US" sz="1400" dirty="0"/>
-              <a:t>weight varchar2(6)</a:t>
+              <a:t>weight varchar(6)</a:t>
             </a:r>
           </a:p>
           <a:p>
@@ -5976,8 +6031,12 @@
               <a:buChar char="•"/>
             </a:pPr>
             <a:r>
+              <a:rPr lang="en-US" sz="1400" dirty="0" err="1"/>
+              <a:t>engine_cc</a:t>
+            </a:r>
+            <a:r>
               <a:rPr lang="en-US" sz="1400" dirty="0"/>
-              <a:t>engine_cc varchar2(3)</a:t>
+              <a:t> varchar(3)</a:t>
             </a:r>
           </a:p>
           <a:p>
@@ -5987,7 +6046,7 @@
             </a:pPr>
             <a:r>
               <a:rPr lang="en-US" sz="1400" dirty="0"/>
-              <a:t>price varchar2(15)</a:t>
+              <a:t>price varchar(15)</a:t>
             </a:r>
           </a:p>
           <a:p>
